--- a/GHArchive Data Analysis.pptx
+++ b/GHArchive Data Analysis.pptx
@@ -7792,18 +7792,53 @@
           </a:bodyPr>
           <a:lstStyle/>
           <a:p>
-            <a:pPr indent="0" lvl="0" marL="0" rtl="0" algn="l">
-              <a:spcBef>
-                <a:spcPts val="0"/>
-              </a:spcBef>
-              <a:spcAft>
-                <a:spcPts val="1600"/>
-              </a:spcAft>
-              <a:buNone/>
+            <a:pPr indent="-311150" lvl="0" marL="457200" rtl="0" algn="l">
+              <a:spcBef>
+                <a:spcPts val="0"/>
+              </a:spcBef>
+              <a:spcAft>
+                <a:spcPts val="0"/>
+              </a:spcAft>
+              <a:buSzPts val="1300"/>
+              <a:buChar char="-"/>
             </a:pPr>
             <a:r>
               <a:rPr lang="en"/>
-              <a:t>Analyzing the type of events that happened on 13th July 2020 - the number of issues that were created and the average number of issues that were opened or closed on this day.</a:t>
+              <a:t>Analyzed the type of events that happened on 13th July 2020 </a:t>
+            </a:r>
+            <a:endParaRPr/>
+          </a:p>
+          <a:p>
+            <a:pPr indent="-311150" lvl="0" marL="457200" rtl="0" algn="l">
+              <a:spcBef>
+                <a:spcPts val="0"/>
+              </a:spcBef>
+              <a:spcAft>
+                <a:spcPts val="0"/>
+              </a:spcAft>
+              <a:buSzPts val="1300"/>
+              <a:buChar char="-"/>
+            </a:pPr>
+            <a:r>
+              <a:rPr lang="en"/>
+              <a:t>Analyzed the number of issues that were created</a:t>
+            </a:r>
+            <a:endParaRPr/>
+          </a:p>
+          <a:p>
+            <a:pPr indent="-311150" lvl="0" marL="457200" rtl="0" algn="l">
+              <a:spcBef>
+                <a:spcPts val="0"/>
+              </a:spcBef>
+              <a:spcAft>
+                <a:spcPts val="0"/>
+              </a:spcAft>
+              <a:buSzPts val="1300"/>
+              <a:buChar char="-"/>
+            </a:pPr>
+            <a:r>
+              <a:rPr lang="en"/>
+              <a:t>Analyzed the average number of issues that were opened or closed on this day.</a:t>
             </a:r>
             <a:endParaRPr/>
           </a:p>
@@ -7920,7 +7955,7 @@
             </a:pPr>
             <a:r>
               <a:rPr lang="en"/>
-              <a:t>Analyzing the Type of Events executed</a:t>
+              <a:t>Analyzed the Type of Events executed</a:t>
             </a:r>
             <a:endParaRPr/>
           </a:p>
@@ -8055,9 +8090,15 @@
               <a:buNone/>
             </a:pPr>
             <a:r>
-              <a:t/>
+              <a:rPr b="1" lang="en">
+                <a:latin typeface="Lato"/>
+                <a:ea typeface="Lato"/>
+                <a:cs typeface="Lato"/>
+                <a:sym typeface="Lato"/>
+              </a:rPr>
+              <a:t>Insight:</a:t>
             </a:r>
-            <a:endParaRPr>
+            <a:endParaRPr b="1">
               <a:latin typeface="Lato"/>
               <a:ea typeface="Lato"/>
               <a:cs typeface="Lato"/>
@@ -8187,7 +8228,7 @@
             </a:pPr>
             <a:r>
               <a:rPr lang="en"/>
-              <a:t>Analysing the number of issues raised per hour</a:t>
+              <a:t>Analyzed the number of issues raised per hour</a:t>
             </a:r>
             <a:endParaRPr/>
           </a:p>
@@ -8203,7 +8244,7 @@
         </p:nvSpPr>
         <p:spPr>
           <a:xfrm>
-            <a:off x="843475" y="4238800"/>
+            <a:off x="843475" y="4019650"/>
             <a:ext cx="7688700" cy="535200"/>
           </a:xfrm>
           <a:prstGeom prst="rect">
@@ -8216,36 +8257,38 @@
           </a:bodyPr>
           <a:lstStyle/>
           <a:p>
-            <a:pPr indent="-311150" lvl="0" marL="457200" rtl="0" algn="l">
-              <a:spcBef>
-                <a:spcPts val="0"/>
-              </a:spcBef>
-              <a:spcAft>
-                <a:spcPts val="0"/>
-              </a:spcAft>
-              <a:buSzPts val="1300"/>
-              <a:buChar char="-"/>
+            <a:pPr indent="0" lvl="0" marL="0" rtl="0" algn="l">
+              <a:spcBef>
+                <a:spcPts val="0"/>
+              </a:spcBef>
+              <a:spcAft>
+                <a:spcPts val="0"/>
+              </a:spcAft>
+              <a:buNone/>
             </a:pPr>
             <a:r>
+              <a:rPr b="1" lang="en"/>
+              <a:t>Insight:</a:t>
+            </a:r>
+            <a:r>
               <a:rPr lang="en"/>
-              <a:t>This trend suggests that most people raise their issues during their official working hours </a:t>
+              <a:t> This trend suggests that most people raise their issues during their official working hours </a:t>
             </a:r>
             <a:endParaRPr/>
           </a:p>
           <a:p>
-            <a:pPr indent="-311150" lvl="0" marL="457200" rtl="0" algn="l">
-              <a:spcBef>
-                <a:spcPts val="0"/>
-              </a:spcBef>
-              <a:spcAft>
-                <a:spcPts val="0"/>
-              </a:spcAft>
-              <a:buSzPts val="1300"/>
-              <a:buChar char="-"/>
+            <a:pPr indent="0" lvl="0" marL="0" rtl="0" algn="l">
+              <a:spcBef>
+                <a:spcPts val="1600"/>
+              </a:spcBef>
+              <a:spcAft>
+                <a:spcPts val="1600"/>
+              </a:spcAft>
+              <a:buNone/>
             </a:pPr>
             <a:r>
               <a:rPr lang="en"/>
-              <a:t>On Monday, most of the issues that were raised in Github were in between 9:AM - 6:PM with maximum issues raised at 2:00PM</a:t>
+              <a:t>On Monday, most of the issues that were raised in Github were in between 9:00AM - 6:00PM with maximum issues raised at 2:00PM</a:t>
             </a:r>
             <a:endParaRPr/>
           </a:p>
@@ -8338,7 +8381,7 @@
             </a:pPr>
             <a:r>
               <a:rPr lang="en"/>
-              <a:t>Analysing the Open/ Closed Issues per hour</a:t>
+              <a:t>Analyzed the Open/ Closed Issues per hour</a:t>
             </a:r>
             <a:endParaRPr/>
           </a:p>
@@ -8413,7 +8456,7 @@
                 <a:cs typeface="Lato"/>
                 <a:sym typeface="Lato"/>
               </a:rPr>
-              <a:t>At 11:00 AM,  90% of issues that were created by the users  before were closed. </a:t>
+              <a:t>At 11:00 AM,  90% of issues that were created by the users were closed. </a:t>
             </a:r>
             <a:endParaRPr>
               <a:latin typeface="Lato"/>
@@ -8453,9 +8496,15 @@
               <a:buNone/>
             </a:pPr>
             <a:r>
-              <a:t/>
+              <a:rPr b="1" lang="en">
+                <a:latin typeface="Lato"/>
+                <a:ea typeface="Lato"/>
+                <a:cs typeface="Lato"/>
+                <a:sym typeface="Lato"/>
+              </a:rPr>
+              <a:t>Insight:</a:t>
             </a:r>
-            <a:endParaRPr>
+            <a:endParaRPr b="1">
               <a:latin typeface="Lato"/>
               <a:ea typeface="Lato"/>
               <a:cs typeface="Lato"/>
@@ -8479,7 +8528,25 @@
                 <a:cs typeface="Lato"/>
                 <a:sym typeface="Lato"/>
               </a:rPr>
-              <a:t>This graph suggests that more than 60% of the issues that were  raised on an average were  resolved within a day’s time. </a:t>
+              <a:t>This graph suggests that , </a:t>
+            </a:r>
+            <a:r>
+              <a:rPr lang="en">
+                <a:latin typeface="Lato"/>
+                <a:ea typeface="Lato"/>
+                <a:cs typeface="Lato"/>
+                <a:sym typeface="Lato"/>
+              </a:rPr>
+              <a:t>on an average, </a:t>
+            </a:r>
+            <a:r>
+              <a:rPr lang="en">
+                <a:latin typeface="Lato"/>
+                <a:ea typeface="Lato"/>
+                <a:cs typeface="Lato"/>
+                <a:sym typeface="Lato"/>
+              </a:rPr>
+              <a:t>more than 60% of the issues that were  raised were  resolved within a day’s time. </a:t>
             </a:r>
             <a:endParaRPr>
               <a:latin typeface="Lato"/>
